--- a/Notes/Converting Business Revenue Code into Rules for E-tracs.pptx
+++ b/Notes/Converting Business Revenue Code into Rules for E-tracs.pptx
@@ -125,6 +125,11 @@
       </a:defRPr>
     </a:lvl9pPr>
   </p:defaultTextStyle>
+  <p:extLst>
+    <p:ext uri="{EFAFB233-063F-42B5-8137-9DF3F51BA10A}">
+      <p15:sldGuideLst xmlns:p15="http://schemas.microsoft.com/office/powerpoint/2012/main"/>
+    </p:ext>
+  </p:extLst>
 </p:presentation>
 </file>
 
@@ -631,7 +636,7 @@
             <a:fld id="{B61BEF0D-F0BB-DE4B-95CE-6DB70DBA9567}" type="datetimeFigureOut">
               <a:rPr lang="en-US" smtClean="0"/>
               <a:pPr/>
-              <a:t>5/13/2024</a:t>
+              <a:t>5/16/2024</a:t>
             </a:fld>
             <a:endParaRPr lang="en-US" dirty="0"/>
           </a:p>
@@ -929,7 +934,7 @@
             <a:fld id="{B61BEF0D-F0BB-DE4B-95CE-6DB70DBA9567}" type="datetimeFigureOut">
               <a:rPr lang="en-US" smtClean="0"/>
               <a:pPr/>
-              <a:t>5/13/2024</a:t>
+              <a:t>5/16/2024</a:t>
             </a:fld>
             <a:endParaRPr lang="en-US" dirty="0"/>
           </a:p>
@@ -1179,7 +1184,7 @@
             <a:fld id="{B61BEF0D-F0BB-DE4B-95CE-6DB70DBA9567}" type="datetimeFigureOut">
               <a:rPr lang="en-US" smtClean="0"/>
               <a:pPr/>
-              <a:t>5/13/2024</a:t>
+              <a:t>5/16/2024</a:t>
             </a:fld>
             <a:endParaRPr lang="en-US" dirty="0"/>
           </a:p>
@@ -1721,7 +1726,7 @@
             <a:fld id="{B61BEF0D-F0BB-DE4B-95CE-6DB70DBA9567}" type="datetimeFigureOut">
               <a:rPr lang="en-US" smtClean="0"/>
               <a:pPr/>
-              <a:t>5/13/2024</a:t>
+              <a:t>5/16/2024</a:t>
             </a:fld>
             <a:endParaRPr lang="en-US" dirty="0"/>
           </a:p>
@@ -1971,7 +1976,7 @@
             <a:fld id="{B61BEF0D-F0BB-DE4B-95CE-6DB70DBA9567}" type="datetimeFigureOut">
               <a:rPr lang="en-US" smtClean="0"/>
               <a:pPr/>
-              <a:t>5/13/2024</a:t>
+              <a:t>5/16/2024</a:t>
             </a:fld>
             <a:endParaRPr lang="en-US" dirty="0"/>
           </a:p>
@@ -2505,7 +2510,7 @@
             <a:fld id="{B61BEF0D-F0BB-DE4B-95CE-6DB70DBA9567}" type="datetimeFigureOut">
               <a:rPr lang="en-US" smtClean="0"/>
               <a:pPr/>
-              <a:t>5/13/2024</a:t>
+              <a:t>5/16/2024</a:t>
             </a:fld>
             <a:endParaRPr lang="en-US" dirty="0"/>
           </a:p>
@@ -2804,7 +2809,7 @@
             <a:fld id="{B61BEF0D-F0BB-DE4B-95CE-6DB70DBA9567}" type="datetimeFigureOut">
               <a:rPr lang="en-US" smtClean="0"/>
               <a:pPr/>
-              <a:t>5/13/2024</a:t>
+              <a:t>5/16/2024</a:t>
             </a:fld>
             <a:endParaRPr lang="en-US" dirty="0"/>
           </a:p>
@@ -2980,7 +2985,7 @@
             <a:fld id="{B61BEF0D-F0BB-DE4B-95CE-6DB70DBA9567}" type="datetimeFigureOut">
               <a:rPr lang="en-US" smtClean="0"/>
               <a:pPr/>
-              <a:t>5/13/2024</a:t>
+              <a:t>5/16/2024</a:t>
             </a:fld>
             <a:endParaRPr lang="en-US" dirty="0"/>
           </a:p>
@@ -3162,7 +3167,7 @@
             <a:fld id="{B61BEF0D-F0BB-DE4B-95CE-6DB70DBA9567}" type="datetimeFigureOut">
               <a:rPr lang="en-US" smtClean="0"/>
               <a:pPr/>
-              <a:t>5/13/2024</a:t>
+              <a:t>5/16/2024</a:t>
             </a:fld>
             <a:endParaRPr lang="en-US" dirty="0"/>
           </a:p>
@@ -3334,7 +3339,7 @@
             <a:fld id="{B61BEF0D-F0BB-DE4B-95CE-6DB70DBA9567}" type="datetimeFigureOut">
               <a:rPr lang="en-US" smtClean="0"/>
               <a:pPr/>
-              <a:t>5/13/2024</a:t>
+              <a:t>5/16/2024</a:t>
             </a:fld>
             <a:endParaRPr lang="en-US" dirty="0"/>
           </a:p>
@@ -3587,7 +3592,7 @@
             <a:fld id="{B61BEF0D-F0BB-DE4B-95CE-6DB70DBA9567}" type="datetimeFigureOut">
               <a:rPr lang="en-US" smtClean="0"/>
               <a:pPr/>
-              <a:t>5/13/2024</a:t>
+              <a:t>5/16/2024</a:t>
             </a:fld>
             <a:endParaRPr lang="en-US" dirty="0"/>
           </a:p>
@@ -3886,7 +3891,7 @@
             <a:fld id="{B61BEF0D-F0BB-DE4B-95CE-6DB70DBA9567}" type="datetimeFigureOut">
               <a:rPr lang="en-US" smtClean="0"/>
               <a:pPr/>
-              <a:t>5/13/2024</a:t>
+              <a:t>5/16/2024</a:t>
             </a:fld>
             <a:endParaRPr lang="en-US" dirty="0"/>
           </a:p>
@@ -4330,7 +4335,7 @@
             <a:fld id="{B61BEF0D-F0BB-DE4B-95CE-6DB70DBA9567}" type="datetimeFigureOut">
               <a:rPr lang="en-US" smtClean="0"/>
               <a:pPr/>
-              <a:t>5/13/2024</a:t>
+              <a:t>5/16/2024</a:t>
             </a:fld>
             <a:endParaRPr lang="en-US" dirty="0"/>
           </a:p>
@@ -4450,7 +4455,7 @@
             <a:fld id="{B61BEF0D-F0BB-DE4B-95CE-6DB70DBA9567}" type="datetimeFigureOut">
               <a:rPr lang="en-US" smtClean="0"/>
               <a:pPr/>
-              <a:t>5/13/2024</a:t>
+              <a:t>5/16/2024</a:t>
             </a:fld>
             <a:endParaRPr lang="en-US" dirty="0"/>
           </a:p>
@@ -4547,7 +4552,7 @@
             <a:fld id="{B61BEF0D-F0BB-DE4B-95CE-6DB70DBA9567}" type="datetimeFigureOut">
               <a:rPr lang="en-US" smtClean="0"/>
               <a:pPr/>
-              <a:t>5/13/2024</a:t>
+              <a:t>5/16/2024</a:t>
             </a:fld>
             <a:endParaRPr lang="en-US" dirty="0"/>
           </a:p>
@@ -4832,7 +4837,7 @@
             <a:fld id="{B61BEF0D-F0BB-DE4B-95CE-6DB70DBA9567}" type="datetimeFigureOut">
               <a:rPr lang="en-US" smtClean="0"/>
               <a:pPr/>
-              <a:t>5/13/2024</a:t>
+              <a:t>5/16/2024</a:t>
             </a:fld>
             <a:endParaRPr lang="en-US" dirty="0"/>
           </a:p>
@@ -5125,7 +5130,7 @@
             <a:fld id="{B61BEF0D-F0BB-DE4B-95CE-6DB70DBA9567}" type="datetimeFigureOut">
               <a:rPr lang="en-US" smtClean="0"/>
               <a:pPr/>
-              <a:t>5/13/2024</a:t>
+              <a:t>5/16/2024</a:t>
             </a:fld>
             <a:endParaRPr lang="en-US" dirty="0"/>
           </a:p>
@@ -5657,7 +5662,7 @@
             <a:fld id="{B61BEF0D-F0BB-DE4B-95CE-6DB70DBA9567}" type="datetimeFigureOut">
               <a:rPr lang="en-US" smtClean="0"/>
               <a:pPr/>
-              <a:t>5/13/2024</a:t>
+              <a:t>5/16/2024</a:t>
             </a:fld>
             <a:endParaRPr lang="en-US" dirty="0"/>
           </a:p>
@@ -9123,10 +9128,10 @@
       </p:sp>
       <p:pic>
         <p:nvPicPr>
-          <p:cNvPr id="7" name="Picture 6">
+          <p:cNvPr id="5" name="Picture 4">
             <a:extLst>
               <a:ext uri="{FF2B5EF4-FFF2-40B4-BE49-F238E27FC236}">
-                <a16:creationId xmlns:a16="http://schemas.microsoft.com/office/drawing/2014/main" id="{1F1C3E9D-2D1A-67A3-BE1F-7DA6F345F761}"/>
+                <a16:creationId xmlns:a16="http://schemas.microsoft.com/office/drawing/2014/main" id="{7F3381CD-7E86-5D56-637B-701060D3CC72}"/>
               </a:ext>
             </a:extLst>
           </p:cNvPr>
@@ -9135,16 +9140,15 @@
           </p:cNvPicPr>
           <p:nvPr/>
         </p:nvPicPr>
-        <p:blipFill>
+        <p:blipFill rotWithShape="1">
           <a:blip r:embed="rId2"/>
-          <a:stretch>
-            <a:fillRect/>
-          </a:stretch>
+          <a:srcRect b="11584"/>
+          <a:stretch/>
         </p:blipFill>
         <p:spPr>
           <a:xfrm>
-            <a:off x="3934333" y="1528840"/>
-            <a:ext cx="6214017" cy="5259598"/>
+            <a:off x="3974292" y="1772866"/>
+            <a:ext cx="6134100" cy="4648708"/>
           </a:xfrm>
           <a:prstGeom prst="rect">
             <a:avLst/>
